--- a/Image Processing And Computer Vision.pptx
+++ b/Image Processing And Computer Vision.pptx
@@ -112,6 +112,11 @@
       </a:defRPr>
     </a:lvl9pPr>
   </p:defaultTextStyle>
+  <p:extLst>
+    <p:ext uri="{EFAFB233-063F-42B5-8137-9DF3F51BA10A}">
+      <p15:sldGuideLst xmlns:p15="http://schemas.microsoft.com/office/powerpoint/2012/main"/>
+    </p:ext>
+  </p:extLst>
 </p:presentation>
 </file>
 
@@ -197,7 +202,7 @@
           <a:p>
             <a:fld id="{6D7EF7AB-7D6B-4704-9707-0B4157019B0A}" type="datetimeFigureOut">
               <a:rPr lang="en-GB" smtClean="0"/>
-              <a:t>28/05/2019</a:t>
+              <a:t>29/05/2019</a:t>
             </a:fld>
             <a:endParaRPr lang="en-GB"/>
           </a:p>
@@ -1022,7 +1027,7 @@
           <a:p>
             <a:fld id="{8743B2CD-A95C-4C39-BD4C-2E1E4DFCACA0}" type="datetimeFigureOut">
               <a:rPr lang="en-GB" smtClean="0"/>
-              <a:t>27/05/2019</a:t>
+              <a:t>29/05/2019</a:t>
             </a:fld>
             <a:endParaRPr lang="en-GB"/>
           </a:p>
@@ -1250,7 +1255,7 @@
           <a:p>
             <a:fld id="{8743B2CD-A95C-4C39-BD4C-2E1E4DFCACA0}" type="datetimeFigureOut">
               <a:rPr lang="en-GB" smtClean="0"/>
-              <a:t>27/05/2019</a:t>
+              <a:t>29/05/2019</a:t>
             </a:fld>
             <a:endParaRPr lang="en-GB"/>
           </a:p>
@@ -1430,7 +1435,7 @@
           <a:p>
             <a:fld id="{8743B2CD-A95C-4C39-BD4C-2E1E4DFCACA0}" type="datetimeFigureOut">
               <a:rPr lang="en-GB" smtClean="0"/>
-              <a:t>27/05/2019</a:t>
+              <a:t>29/05/2019</a:t>
             </a:fld>
             <a:endParaRPr lang="en-GB"/>
           </a:p>
@@ -1600,7 +1605,7 @@
           <a:p>
             <a:fld id="{8743B2CD-A95C-4C39-BD4C-2E1E4DFCACA0}" type="datetimeFigureOut">
               <a:rPr lang="en-GB" smtClean="0"/>
-              <a:t>27/05/2019</a:t>
+              <a:t>29/05/2019</a:t>
             </a:fld>
             <a:endParaRPr lang="en-GB"/>
           </a:p>
@@ -1854,7 +1859,7 @@
           <a:p>
             <a:fld id="{8743B2CD-A95C-4C39-BD4C-2E1E4DFCACA0}" type="datetimeFigureOut">
               <a:rPr lang="en-GB" smtClean="0"/>
-              <a:t>27/05/2019</a:t>
+              <a:t>29/05/2019</a:t>
             </a:fld>
             <a:endParaRPr lang="en-GB"/>
           </a:p>
@@ -2180,7 +2185,7 @@
           <a:p>
             <a:fld id="{8743B2CD-A95C-4C39-BD4C-2E1E4DFCACA0}" type="datetimeFigureOut">
               <a:rPr lang="en-GB" smtClean="0"/>
-              <a:t>27/05/2019</a:t>
+              <a:t>29/05/2019</a:t>
             </a:fld>
             <a:endParaRPr lang="en-GB"/>
           </a:p>
@@ -2631,7 +2636,7 @@
           <a:p>
             <a:fld id="{8743B2CD-A95C-4C39-BD4C-2E1E4DFCACA0}" type="datetimeFigureOut">
               <a:rPr lang="en-GB" smtClean="0"/>
-              <a:t>27/05/2019</a:t>
+              <a:t>29/05/2019</a:t>
             </a:fld>
             <a:endParaRPr lang="en-GB"/>
           </a:p>
@@ -2749,7 +2754,7 @@
           <a:p>
             <a:fld id="{8743B2CD-A95C-4C39-BD4C-2E1E4DFCACA0}" type="datetimeFigureOut">
               <a:rPr lang="en-GB" smtClean="0"/>
-              <a:t>27/05/2019</a:t>
+              <a:t>29/05/2019</a:t>
             </a:fld>
             <a:endParaRPr lang="en-GB"/>
           </a:p>
@@ -2844,7 +2849,7 @@
           <a:p>
             <a:fld id="{8743B2CD-A95C-4C39-BD4C-2E1E4DFCACA0}" type="datetimeFigureOut">
               <a:rPr lang="en-GB" smtClean="0"/>
-              <a:t>27/05/2019</a:t>
+              <a:t>29/05/2019</a:t>
             </a:fld>
             <a:endParaRPr lang="en-GB"/>
           </a:p>
@@ -3131,7 +3136,7 @@
           <a:p>
             <a:fld id="{8743B2CD-A95C-4C39-BD4C-2E1E4DFCACA0}" type="datetimeFigureOut">
               <a:rPr lang="en-GB" smtClean="0"/>
-              <a:t>27/05/2019</a:t>
+              <a:t>29/05/2019</a:t>
             </a:fld>
             <a:endParaRPr lang="en-GB"/>
           </a:p>
@@ -3453,7 +3458,7 @@
           <a:p>
             <a:fld id="{8743B2CD-A95C-4C39-BD4C-2E1E4DFCACA0}" type="datetimeFigureOut">
               <a:rPr lang="en-GB" smtClean="0"/>
-              <a:t>27/05/2019</a:t>
+              <a:t>29/05/2019</a:t>
             </a:fld>
             <a:endParaRPr lang="en-GB"/>
           </a:p>
@@ -3707,7 +3712,7 @@
           <a:p>
             <a:fld id="{8743B2CD-A95C-4C39-BD4C-2E1E4DFCACA0}" type="datetimeFigureOut">
               <a:rPr lang="en-GB" smtClean="0"/>
-              <a:t>27/05/2019</a:t>
+              <a:t>29/05/2019</a:t>
             </a:fld>
             <a:endParaRPr lang="en-GB"/>
           </a:p>
@@ -4858,16 +4863,93 @@
             </a:r>
             <a:r>
               <a:rPr lang="en-US" dirty="0"/>
-              <a:t> are based on a streamlined architecture that uses depth-wise separable convolutions to build light </a:t>
-            </a:r>
-            <a:r>
-              <a:rPr lang="en-US"/>
-              <a:t>weight deep neural </a:t>
-            </a:r>
+              <a:t> are based on a streamlined architecture that uses depth-wise separable convolutions to build light weight deep neural networks.</a:t>
+            </a:r>
+          </a:p>
+          <a:p>
             <a:r>
               <a:rPr lang="en-US" dirty="0"/>
-              <a:t>networks.</a:t>
-            </a:r>
+              <a:t>Trained using 17 Layers of Convolution</a:t>
+            </a:r>
+          </a:p>
+          <a:p>
+            <a:pPr lvl="1"/>
+            <a:r>
+              <a:rPr lang="en-GB" dirty="0"/>
+              <a:t>Convolution Layer </a:t>
+            </a:r>
+            <a:r>
+              <a:rPr lang="en-GB" dirty="0" err="1"/>
+              <a:t>Kernal</a:t>
+            </a:r>
+            <a:r>
+              <a:rPr lang="en-GB" dirty="0"/>
+              <a:t> size – 3</a:t>
+            </a:r>
+          </a:p>
+          <a:p>
+            <a:pPr lvl="1"/>
+            <a:r>
+              <a:rPr lang="en-GB" dirty="0" err="1"/>
+              <a:t>Weight_filler</a:t>
+            </a:r>
+            <a:r>
+              <a:rPr lang="en-GB" dirty="0"/>
+              <a:t> is </a:t>
+            </a:r>
+            <a:r>
+              <a:rPr lang="en-GB" dirty="0" err="1"/>
+              <a:t>msra</a:t>
+            </a:r>
+            <a:endParaRPr lang="en-GB" dirty="0"/>
+          </a:p>
+          <a:p>
+            <a:pPr lvl="1"/>
+            <a:r>
+              <a:rPr lang="en-GB" dirty="0"/>
+              <a:t>Activation is </a:t>
+            </a:r>
+            <a:r>
+              <a:rPr lang="en-GB" dirty="0" err="1"/>
+              <a:t>ReLu</a:t>
+            </a:r>
+            <a:endParaRPr lang="en-GB" dirty="0"/>
+          </a:p>
+          <a:p>
+            <a:pPr lvl="1"/>
+            <a:r>
+              <a:rPr lang="en-GB" dirty="0"/>
+              <a:t>Flatten</a:t>
+            </a:r>
+          </a:p>
+          <a:p>
+            <a:pPr lvl="1"/>
+            <a:r>
+              <a:rPr lang="en-GB" dirty="0" err="1"/>
+              <a:t>PriorBox</a:t>
+            </a:r>
+            <a:r>
+              <a:rPr lang="en-GB" dirty="0"/>
+              <a:t> - </a:t>
+            </a:r>
+            <a:r>
+              <a:rPr lang="en-US" dirty="0"/>
+              <a:t>multiple boxes for every feature point are called priors</a:t>
+            </a:r>
+          </a:p>
+          <a:p>
+            <a:pPr lvl="1"/>
+            <a:r>
+              <a:rPr lang="en-US" dirty="0" err="1"/>
+              <a:t>Softmax</a:t>
+            </a:r>
+            <a:r>
+              <a:rPr lang="en-US" dirty="0"/>
+              <a:t> for classification to calculate the probability for every possible class</a:t>
+            </a:r>
+          </a:p>
+          <a:p>
+            <a:pPr lvl="1"/>
             <a:endParaRPr lang="en-GB" dirty="0"/>
           </a:p>
         </p:txBody>

--- a/Image Processing And Computer Vision.pptx
+++ b/Image Processing And Computer Vision.pptx
@@ -4338,6 +4338,52 @@
           <a:bodyPr/>
           <a:lstStyle/>
           <a:p>
+            <a:r>
+              <a:rPr lang="en-GB" dirty="0"/>
+              <a:t>Three implementation to detect 10 images</a:t>
+            </a:r>
+          </a:p>
+          <a:p>
+            <a:r>
+              <a:rPr lang="en-GB" dirty="0"/>
+              <a:t>Implementations: </a:t>
+            </a:r>
+          </a:p>
+          <a:p>
+            <a:pPr lvl="1"/>
+            <a:r>
+              <a:rPr lang="en-GB" dirty="0" err="1"/>
+              <a:t>SmallerVGGNet</a:t>
+            </a:r>
+            <a:r>
+              <a:rPr lang="en-GB" dirty="0"/>
+              <a:t> – Trained the dataset manually and detection</a:t>
+            </a:r>
+          </a:p>
+          <a:p>
+            <a:pPr lvl="1"/>
+            <a:r>
+              <a:rPr lang="en-GB" dirty="0" err="1"/>
+              <a:t>Retinanet</a:t>
+            </a:r>
+            <a:r>
+              <a:rPr lang="en-GB" dirty="0"/>
+              <a:t> – Trained dataset and classification of 10 categories</a:t>
+            </a:r>
+          </a:p>
+          <a:p>
+            <a:pPr lvl="1"/>
+            <a:r>
+              <a:rPr lang="en-GB" dirty="0" err="1"/>
+              <a:t>Mobilenet</a:t>
+            </a:r>
+            <a:r>
+              <a:rPr lang="en-GB" dirty="0"/>
+              <a:t> – Lightweight implementation and a trained dataset </a:t>
+            </a:r>
+          </a:p>
+          <a:p>
+            <a:pPr lvl="1"/>
             <a:endParaRPr lang="en-GB" dirty="0"/>
           </a:p>
         </p:txBody>
@@ -4358,6 +4404,14 @@
 <file path=ppt/slides/slide3.xml><?xml version="1.0" encoding="utf-8"?>
 <p:sld xmlns:a="http://schemas.openxmlformats.org/drawingml/2006/main" xmlns:r="http://schemas.openxmlformats.org/officeDocument/2006/relationships" xmlns:p="http://schemas.openxmlformats.org/presentationml/2006/main">
   <p:cSld>
+    <p:bg>
+      <p:bgPr>
+        <a:solidFill>
+          <a:schemeClr val="bg1"/>
+        </a:solidFill>
+        <a:effectLst/>
+      </p:bgPr>
+    </p:bg>
     <p:spTree>
       <p:nvGrpSpPr>
         <p:cNvPr id="1" name=""/>
@@ -4388,16 +4442,22 @@
             <p:ph type="title"/>
           </p:nvPr>
         </p:nvSpPr>
-        <p:spPr/>
-        <p:txBody>
-          <a:bodyPr/>
-          <a:lstStyle/>
-          <a:p>
-            <a:r>
-              <a:rPr lang="en-GB" b="1" dirty="0"/>
-              <a:t>Main Layers in a CNN</a:t>
-            </a:r>
-            <a:endParaRPr lang="en-GB" dirty="0"/>
+        <p:spPr>
+          <a:xfrm>
+            <a:off x="1261873" y="365760"/>
+            <a:ext cx="6111914" cy="1325562"/>
+          </a:xfrm>
+        </p:spPr>
+        <p:txBody>
+          <a:bodyPr>
+            <a:normAutofit/>
+          </a:bodyPr>
+          <a:lstStyle/>
+          <a:p>
+            <a:r>
+              <a:rPr lang="en-GB" sz="4100" b="1"/>
+              <a:t>Convolutional Neural Network (CNN)</a:t>
+            </a:r>
           </a:p>
         </p:txBody>
       </p:sp>
@@ -4417,9 +4477,16 @@
             <p:ph idx="1"/>
           </p:nvPr>
         </p:nvSpPr>
-        <p:spPr/>
-        <p:txBody>
-          <a:bodyPr/>
+        <p:spPr>
+          <a:xfrm>
+            <a:off x="1101003" y="1828800"/>
+            <a:ext cx="6272783" cy="4351337"/>
+          </a:xfrm>
+        </p:spPr>
+        <p:txBody>
+          <a:bodyPr>
+            <a:normAutofit/>
+          </a:bodyPr>
           <a:lstStyle/>
           <a:p>
             <a:r>
@@ -4444,12 +4511,75 @@
           </a:p>
         </p:txBody>
       </p:sp>
+      <p:sp>
+        <p:nvSpPr>
+          <p:cNvPr id="13" name="Rectangle 12">
+            <a:extLst>
+              <a:ext uri="{FF2B5EF4-FFF2-40B4-BE49-F238E27FC236}">
+                <a16:creationId xmlns:a16="http://schemas.microsoft.com/office/drawing/2014/main" id="{6F7E013D-0DE5-4A1E-B229-8063BAAE9644}"/>
+              </a:ext>
+              <a:ext uri="{C183D7F6-B498-43B3-948B-1728B52AA6E4}">
+                <adec:decorative xmlns:adec="http://schemas.microsoft.com/office/drawing/2017/decorative" val="1"/>
+              </a:ext>
+            </a:extLst>
+          </p:cNvPr>
+          <p:cNvSpPr>
+            <a:spLocks noGrp="1" noRot="1" noChangeAspect="1" noMove="1" noResize="1" noEditPoints="1" noAdjustHandles="1" noChangeArrowheads="1" noChangeShapeType="1" noTextEdit="1"/>
+          </p:cNvSpPr>
+          <p:nvPr>
+            <p:extLst>
+              <p:ext uri="{386F3935-93C4-4BCD-93E2-E3B085C9AB24}">
+                <p16:designElem xmlns:p16="http://schemas.microsoft.com/office/powerpoint/2015/main" val="1"/>
+              </p:ext>
+            </p:extLst>
+          </p:nvPr>
+        </p:nvSpPr>
+        <p:spPr>
+          <a:xfrm>
+            <a:off x="7690960" y="-2811"/>
+            <a:ext cx="3601880" cy="6860811"/>
+          </a:xfrm>
+          <a:prstGeom prst="rect">
+            <a:avLst/>
+          </a:prstGeom>
+          <a:solidFill>
+            <a:srgbClr val="FFFFFF"/>
+          </a:solidFill>
+          <a:ln>
+            <a:noFill/>
+          </a:ln>
+        </p:spPr>
+        <p:style>
+          <a:lnRef idx="2">
+            <a:schemeClr val="accent1">
+              <a:shade val="50000"/>
+            </a:schemeClr>
+          </a:lnRef>
+          <a:fillRef idx="1">
+            <a:schemeClr val="accent1"/>
+          </a:fillRef>
+          <a:effectRef idx="0">
+            <a:schemeClr val="accent1"/>
+          </a:effectRef>
+          <a:fontRef idx="minor">
+            <a:schemeClr val="lt1"/>
+          </a:fontRef>
+        </p:style>
+        <p:txBody>
+          <a:bodyPr rtlCol="0" anchor="ctr"/>
+          <a:lstStyle/>
+          <a:p>
+            <a:pPr algn="ctr"/>
+            <a:endParaRPr lang="en-US"/>
+          </a:p>
+        </p:txBody>
+      </p:sp>
       <p:pic>
         <p:nvPicPr>
-          <p:cNvPr id="5" name="Picture 4" descr="A picture containing map, text&#10;&#10;Description automatically generated">
+          <p:cNvPr id="6" name="Picture 5" descr="A close up of a logo&#10;&#10;Description automatically generated">
             <a:extLst>
               <a:ext uri="{FF2B5EF4-FFF2-40B4-BE49-F238E27FC236}">
-                <a16:creationId xmlns:a16="http://schemas.microsoft.com/office/drawing/2014/main" id="{644EDD47-4B58-45A5-BB8E-952CC9BC0CD2}"/>
+                <a16:creationId xmlns:a16="http://schemas.microsoft.com/office/drawing/2014/main" id="{0BD6D55C-FBD0-43A3-98FD-320232D2CEAC}"/>
               </a:ext>
             </a:extLst>
           </p:cNvPr>
@@ -4472,8 +4602,80 @@
         </p:blipFill>
         <p:spPr>
           <a:xfrm>
-            <a:off x="1433669" y="3429000"/>
-            <a:ext cx="7620000" cy="2562225"/>
+            <a:off x="8007839" y="4393783"/>
+            <a:ext cx="2968122" cy="1610205"/>
+          </a:xfrm>
+          <a:prstGeom prst="rect">
+            <a:avLst/>
+          </a:prstGeom>
+        </p:spPr>
+      </p:pic>
+      <p:pic>
+        <p:nvPicPr>
+          <p:cNvPr id="8" name="Picture 7" descr="A close up of a clock&#10;&#10;Description automatically generated">
+            <a:extLst>
+              <a:ext uri="{FF2B5EF4-FFF2-40B4-BE49-F238E27FC236}">
+                <a16:creationId xmlns:a16="http://schemas.microsoft.com/office/drawing/2014/main" id="{9160350A-350B-4849-9312-E062D6E37389}"/>
+              </a:ext>
+            </a:extLst>
+          </p:cNvPr>
+          <p:cNvPicPr>
+            <a:picLocks noChangeAspect="1"/>
+          </p:cNvPicPr>
+          <p:nvPr/>
+        </p:nvPicPr>
+        <p:blipFill>
+          <a:blip r:embed="rId4">
+            <a:extLst>
+              <a:ext uri="{28A0092B-C50C-407E-A947-70E740481C1C}">
+                <a14:useLocalDpi xmlns:a14="http://schemas.microsoft.com/office/drawing/2010/main" val="0"/>
+              </a:ext>
+            </a:extLst>
+          </a:blip>
+          <a:stretch>
+            <a:fillRect/>
+          </a:stretch>
+        </p:blipFill>
+        <p:spPr>
+          <a:xfrm>
+            <a:off x="7840066" y="2343392"/>
+            <a:ext cx="2968123" cy="1417278"/>
+          </a:xfrm>
+          <a:prstGeom prst="rect">
+            <a:avLst/>
+          </a:prstGeom>
+        </p:spPr>
+      </p:pic>
+      <p:pic>
+        <p:nvPicPr>
+          <p:cNvPr id="5" name="Picture 4" descr="A picture containing map, text&#10;&#10;Description automatically generated">
+            <a:extLst>
+              <a:ext uri="{FF2B5EF4-FFF2-40B4-BE49-F238E27FC236}">
+                <a16:creationId xmlns:a16="http://schemas.microsoft.com/office/drawing/2014/main" id="{644EDD47-4B58-45A5-BB8E-952CC9BC0CD2}"/>
+              </a:ext>
+            </a:extLst>
+          </p:cNvPr>
+          <p:cNvPicPr>
+            <a:picLocks noChangeAspect="1"/>
+          </p:cNvPicPr>
+          <p:nvPr/>
+        </p:nvPicPr>
+        <p:blipFill>
+          <a:blip r:embed="rId5">
+            <a:extLst>
+              <a:ext uri="{28A0092B-C50C-407E-A947-70E740481C1C}">
+                <a14:useLocalDpi xmlns:a14="http://schemas.microsoft.com/office/drawing/2010/main" val="0"/>
+              </a:ext>
+            </a:extLst>
+          </a:blip>
+          <a:stretch>
+            <a:fillRect/>
+          </a:stretch>
+        </p:blipFill>
+        <p:spPr>
+          <a:xfrm>
+            <a:off x="1211146" y="3789875"/>
+            <a:ext cx="6268522" cy="2115625"/>
           </a:xfrm>
           <a:prstGeom prst="rect">
             <a:avLst/>
@@ -4547,7 +4749,7 @@
           <a:lstStyle/>
           <a:p>
             <a:r>
-              <a:rPr lang="en-GB"/>
+              <a:rPr lang="en-GB" dirty="0" err="1"/>
               <a:t>SmallerVGGNet</a:t>
             </a:r>
             <a:endParaRPr lang="en-GB" dirty="0"/>
@@ -4852,7 +5054,12 @@
             <p:ph idx="1"/>
           </p:nvPr>
         </p:nvSpPr>
-        <p:spPr/>
+        <p:spPr>
+          <a:xfrm>
+            <a:off x="1261872" y="1828800"/>
+            <a:ext cx="8595360" cy="4351337"/>
+          </a:xfrm>
+        </p:spPr>
         <p:txBody>
           <a:bodyPr/>
           <a:lstStyle/>
